--- a/Problem B Presentation.pptx
+++ b/Problem B Presentation.pptx
@@ -5,7 +5,7 @@
     <p:sldMasterId id="2147483659" r:id="rId1"/>
   </p:sldMasterIdLst>
   <p:notesMasterIdLst>
-    <p:notesMasterId r:id="rId13"/>
+    <p:notesMasterId r:id="rId14"/>
   </p:notesMasterIdLst>
   <p:sldIdLst>
     <p:sldId id="256" r:id="rId2"/>
@@ -15,38 +15,54 @@
     <p:sldId id="260" r:id="rId6"/>
     <p:sldId id="261" r:id="rId7"/>
     <p:sldId id="262" r:id="rId8"/>
-    <p:sldId id="263" r:id="rId9"/>
-    <p:sldId id="264" r:id="rId10"/>
-    <p:sldId id="265" r:id="rId11"/>
-    <p:sldId id="266" r:id="rId12"/>
+    <p:sldId id="264" r:id="rId9"/>
+    <p:sldId id="267" r:id="rId10"/>
+    <p:sldId id="268" r:id="rId11"/>
+    <p:sldId id="265" r:id="rId12"/>
+    <p:sldId id="266" r:id="rId13"/>
   </p:sldIdLst>
   <p:sldSz cx="9144000" cy="5143500" type="screen16x9"/>
   <p:notesSz cx="6858000" cy="9144000"/>
   <p:embeddedFontLst>
     <p:embeddedFont>
-      <p:font typeface="Roboto" charset="0"/>
-      <p:regular r:id="rId14"/>
-      <p:bold r:id="rId15"/>
-      <p:italic r:id="rId16"/>
-      <p:boldItalic r:id="rId17"/>
+      <p:font typeface="Algerian" panose="04020705040A02060702" pitchFamily="82" charset="0"/>
+      <p:regular r:id="rId15"/>
     </p:embeddedFont>
     <p:embeddedFont>
-      <p:font typeface="Fira Sans Extra Condensed" charset="0"/>
-      <p:regular r:id="rId18"/>
-      <p:bold r:id="rId19"/>
-      <p:italic r:id="rId20"/>
-      <p:boldItalic r:id="rId21"/>
+      <p:font typeface="Calibri" panose="020F0502020204030204" pitchFamily="34" charset="0"/>
+      <p:regular r:id="rId16"/>
+      <p:bold r:id="rId17"/>
+      <p:italic r:id="rId18"/>
+      <p:boldItalic r:id="rId19"/>
     </p:embeddedFont>
     <p:embeddedFont>
-      <p:font typeface="Copperplate Gothic Bold" pitchFamily="34" charset="0"/>
-      <p:regular r:id="rId22"/>
+      <p:font typeface="Copperplate Gothic Bold" panose="020E0705020206020404" pitchFamily="34" charset="0"/>
+      <p:regular r:id="rId20"/>
     </p:embeddedFont>
     <p:embeddedFont>
-      <p:font typeface="Roboto Condensed" charset="0"/>
-      <p:regular r:id="rId23"/>
-      <p:bold r:id="rId24"/>
-      <p:italic r:id="rId25"/>
-      <p:boldItalic r:id="rId26"/>
+      <p:font typeface="Fira Sans Extra Condensed" panose="020B0604020202020204" charset="0"/>
+      <p:regular r:id="rId21"/>
+      <p:bold r:id="rId22"/>
+      <p:italic r:id="rId23"/>
+      <p:boldItalic r:id="rId24"/>
+    </p:embeddedFont>
+    <p:embeddedFont>
+      <p:font typeface="MV Boli" panose="02000500030200090000" pitchFamily="2" charset="0"/>
+      <p:regular r:id="rId25"/>
+    </p:embeddedFont>
+    <p:embeddedFont>
+      <p:font typeface="Roboto" panose="020B0604020202020204" charset="0"/>
+      <p:regular r:id="rId26"/>
+      <p:bold r:id="rId27"/>
+      <p:italic r:id="rId28"/>
+      <p:boldItalic r:id="rId29"/>
+    </p:embeddedFont>
+    <p:embeddedFont>
+      <p:font typeface="Roboto Condensed" panose="020B0604020202020204" charset="0"/>
+      <p:regular r:id="rId30"/>
+      <p:bold r:id="rId31"/>
+      <p:italic r:id="rId32"/>
+      <p:boldItalic r:id="rId33"/>
     </p:embeddedFont>
   </p:embeddedFontLst>
   <p:defaultTextStyle>
@@ -280,7 +296,18 @@
   </p:defaultTextStyle>
   <p:extLst>
     <p:ext uri="{EFAFB233-063F-42B5-8137-9DF3F51BA10A}">
-      <p15:sldGuideLst xmlns:p15="http://schemas.microsoft.com/office/powerpoint/2012/main" xmlns=""/>
+      <p15:sldGuideLst xmlns:p15="http://schemas.microsoft.com/office/powerpoint/2012/main">
+        <p15:guide id="1" orient="horz" pos="1620">
+          <p15:clr>
+            <a:srgbClr val="A4A3A4"/>
+          </p15:clr>
+        </p15:guide>
+        <p15:guide id="2" pos="2880">
+          <p15:clr>
+            <a:srgbClr val="A4A3A4"/>
+          </p15:clr>
+        </p15:guide>
+      </p15:sldGuideLst>
     </p:ext>
   </p:extLst>
 </p:presentation>
@@ -846,6 +873,115 @@
   <p:cSld>
     <p:spTree>
       <p:nvGrpSpPr>
+        <p:cNvPr id="1" name="Shape 271"/>
+        <p:cNvGrpSpPr/>
+        <p:nvPr/>
+      </p:nvGrpSpPr>
+      <p:grpSpPr>
+        <a:xfrm>
+          <a:off x="0" y="0"/>
+          <a:ext cx="0" cy="0"/>
+          <a:chOff x="0" y="0"/>
+          <a:chExt cx="0" cy="0"/>
+        </a:xfrm>
+      </p:grpSpPr>
+      <p:sp>
+        <p:nvSpPr>
+          <p:cNvPr id="272" name="Google Shape;272;gbb1345f365_0_275:notes"/>
+          <p:cNvSpPr>
+            <a:spLocks noGrp="1" noRot="1" noChangeAspect="1"/>
+          </p:cNvSpPr>
+          <p:nvPr>
+            <p:ph type="sldImg" idx="2"/>
+          </p:nvPr>
+        </p:nvSpPr>
+        <p:spPr>
+          <a:xfrm>
+            <a:off x="381000" y="685800"/>
+            <a:ext cx="6096000" cy="3429000"/>
+          </a:xfrm>
+          <a:custGeom>
+            <a:avLst/>
+            <a:gdLst/>
+            <a:ahLst/>
+            <a:cxnLst/>
+            <a:rect l="l" t="t" r="r" b="b"/>
+            <a:pathLst>
+              <a:path w="120000" h="120000" extrusionOk="0">
+                <a:moveTo>
+                  <a:pt x="0" y="0"/>
+                </a:moveTo>
+                <a:lnTo>
+                  <a:pt x="120000" y="0"/>
+                </a:lnTo>
+                <a:lnTo>
+                  <a:pt x="120000" y="120000"/>
+                </a:lnTo>
+                <a:lnTo>
+                  <a:pt x="0" y="120000"/>
+                </a:lnTo>
+                <a:close/>
+              </a:path>
+            </a:pathLst>
+          </a:custGeom>
+        </p:spPr>
+      </p:sp>
+      <p:sp>
+        <p:nvSpPr>
+          <p:cNvPr id="273" name="Google Shape;273;gbb1345f365_0_275:notes"/>
+          <p:cNvSpPr txBox="1">
+            <a:spLocks noGrp="1"/>
+          </p:cNvSpPr>
+          <p:nvPr>
+            <p:ph type="body" idx="1"/>
+          </p:nvPr>
+        </p:nvSpPr>
+        <p:spPr>
+          <a:xfrm>
+            <a:off x="685800" y="4343400"/>
+            <a:ext cx="5486400" cy="4114800"/>
+          </a:xfrm>
+          <a:prstGeom prst="rect">
+            <a:avLst/>
+          </a:prstGeom>
+        </p:spPr>
+        <p:txBody>
+          <a:bodyPr spcFirstLastPara="1" wrap="square" lIns="91425" tIns="91425" rIns="91425" bIns="91425" anchor="t" anchorCtr="0">
+            <a:noAutofit/>
+          </a:bodyPr>
+          <a:lstStyle/>
+          <a:p>
+            <a:pPr marL="0" lvl="0" indent="0" algn="l" rtl="0">
+              <a:spcBef>
+                <a:spcPts val="0"/>
+              </a:spcBef>
+              <a:spcAft>
+                <a:spcPts val="0"/>
+              </a:spcAft>
+              <a:buNone/>
+            </a:pPr>
+            <a:endParaRPr/>
+          </a:p>
+        </p:txBody>
+      </p:sp>
+    </p:spTree>
+    <p:extLst>
+      <p:ext uri="{BB962C8B-B14F-4D97-AF65-F5344CB8AC3E}">
+        <p14:creationId xmlns:p14="http://schemas.microsoft.com/office/powerpoint/2010/main" val="2597198287"/>
+      </p:ext>
+    </p:extLst>
+  </p:cSld>
+  <p:clrMapOvr>
+    <a:masterClrMapping/>
+  </p:clrMapOvr>
+</p:notes>
+</file>
+
+<file path=ppt/notesSlides/notesSlide11.xml><?xml version="1.0" encoding="utf-8"?>
+<p:notes xmlns:a="http://schemas.openxmlformats.org/drawingml/2006/main" xmlns:r="http://schemas.openxmlformats.org/officeDocument/2006/relationships" xmlns:p="http://schemas.openxmlformats.org/presentationml/2006/main" showMasterSp="0" showMasterPhAnim="0">
+  <p:cSld>
+    <p:spTree>
+      <p:nvGrpSpPr>
         <p:cNvPr id="1" name="Shape 277"/>
         <p:cNvGrpSpPr/>
         <p:nvPr/>
@@ -950,7 +1086,7 @@
 </p:notes>
 </file>
 
-<file path=ppt/notesSlides/notesSlide11.xml><?xml version="1.0" encoding="utf-8"?>
+<file path=ppt/notesSlides/notesSlide12.xml><?xml version="1.0" encoding="utf-8"?>
 <p:notes xmlns:a="http://schemas.openxmlformats.org/drawingml/2006/main" xmlns:r="http://schemas.openxmlformats.org/officeDocument/2006/relationships" xmlns:p="http://schemas.openxmlformats.org/presentationml/2006/main" showMasterSp="0" showMasterPhAnim="0">
   <p:cSld>
     <p:spTree>
@@ -1718,115 +1854,6 @@
   <p:cSld>
     <p:spTree>
       <p:nvGrpSpPr>
-        <p:cNvPr id="1" name="Shape 265"/>
-        <p:cNvGrpSpPr/>
-        <p:nvPr/>
-      </p:nvGrpSpPr>
-      <p:grpSpPr>
-        <a:xfrm>
-          <a:off x="0" y="0"/>
-          <a:ext cx="0" cy="0"/>
-          <a:chOff x="0" y="0"/>
-          <a:chExt cx="0" cy="0"/>
-        </a:xfrm>
-      </p:grpSpPr>
-      <p:sp>
-        <p:nvSpPr>
-          <p:cNvPr id="266" name="Google Shape;266;gbb1345f365_0_91:notes"/>
-          <p:cNvSpPr>
-            <a:spLocks noGrp="1" noRot="1" noChangeAspect="1"/>
-          </p:cNvSpPr>
-          <p:nvPr>
-            <p:ph type="sldImg" idx="2"/>
-          </p:nvPr>
-        </p:nvSpPr>
-        <p:spPr>
-          <a:xfrm>
-            <a:off x="381300" y="685800"/>
-            <a:ext cx="6096000" cy="3429000"/>
-          </a:xfrm>
-          <a:custGeom>
-            <a:avLst/>
-            <a:gdLst/>
-            <a:ahLst/>
-            <a:cxnLst/>
-            <a:rect l="l" t="t" r="r" b="b"/>
-            <a:pathLst>
-              <a:path w="120000" h="120000" extrusionOk="0">
-                <a:moveTo>
-                  <a:pt x="0" y="0"/>
-                </a:moveTo>
-                <a:lnTo>
-                  <a:pt x="120000" y="0"/>
-                </a:lnTo>
-                <a:lnTo>
-                  <a:pt x="120000" y="120000"/>
-                </a:lnTo>
-                <a:lnTo>
-                  <a:pt x="0" y="120000"/>
-                </a:lnTo>
-                <a:close/>
-              </a:path>
-            </a:pathLst>
-          </a:custGeom>
-        </p:spPr>
-      </p:sp>
-      <p:sp>
-        <p:nvSpPr>
-          <p:cNvPr id="267" name="Google Shape;267;gbb1345f365_0_91:notes"/>
-          <p:cNvSpPr txBox="1">
-            <a:spLocks noGrp="1"/>
-          </p:cNvSpPr>
-          <p:nvPr>
-            <p:ph type="body" idx="1"/>
-          </p:nvPr>
-        </p:nvSpPr>
-        <p:spPr>
-          <a:xfrm>
-            <a:off x="685800" y="4343400"/>
-            <a:ext cx="5486400" cy="4114800"/>
-          </a:xfrm>
-          <a:prstGeom prst="rect">
-            <a:avLst/>
-          </a:prstGeom>
-        </p:spPr>
-        <p:txBody>
-          <a:bodyPr spcFirstLastPara="1" wrap="square" lIns="91425" tIns="91425" rIns="91425" bIns="91425" anchor="t" anchorCtr="0">
-            <a:noAutofit/>
-          </a:bodyPr>
-          <a:lstStyle/>
-          <a:p>
-            <a:pPr marL="0" lvl="0" indent="0" algn="l" rtl="0">
-              <a:spcBef>
-                <a:spcPts val="0"/>
-              </a:spcBef>
-              <a:spcAft>
-                <a:spcPts val="0"/>
-              </a:spcAft>
-              <a:buNone/>
-            </a:pPr>
-            <a:endParaRPr/>
-          </a:p>
-        </p:txBody>
-      </p:sp>
-    </p:spTree>
-    <p:extLst>
-      <p:ext uri="{BB962C8B-B14F-4D97-AF65-F5344CB8AC3E}">
-        <p14:creationId xmlns:p14="http://schemas.microsoft.com/office/powerpoint/2010/main" val="1694697211"/>
-      </p:ext>
-    </p:extLst>
-  </p:cSld>
-  <p:clrMapOvr>
-    <a:masterClrMapping/>
-  </p:clrMapOvr>
-</p:notes>
-</file>
-
-<file path=ppt/notesSlides/notesSlide9.xml><?xml version="1.0" encoding="utf-8"?>
-<p:notes xmlns:a="http://schemas.openxmlformats.org/drawingml/2006/main" xmlns:r="http://schemas.openxmlformats.org/officeDocument/2006/relationships" xmlns:p="http://schemas.openxmlformats.org/presentationml/2006/main" showMasterSp="0" showMasterPhAnim="0">
-  <p:cSld>
-    <p:spTree>
-      <p:nvGrpSpPr>
         <p:cNvPr id="1" name="Shape 271"/>
         <p:cNvGrpSpPr/>
         <p:nvPr/>
@@ -1851,7 +1878,7 @@
         </p:nvSpPr>
         <p:spPr>
           <a:xfrm>
-            <a:off x="381300" y="685800"/>
+            <a:off x="381000" y="685800"/>
             <a:ext cx="6096000" cy="3429000"/>
           </a:xfrm>
           <a:custGeom>
@@ -1922,6 +1949,115 @@
     <p:extLst>
       <p:ext uri="{BB962C8B-B14F-4D97-AF65-F5344CB8AC3E}">
         <p14:creationId xmlns:p14="http://schemas.microsoft.com/office/powerpoint/2010/main" val="878202552"/>
+      </p:ext>
+    </p:extLst>
+  </p:cSld>
+  <p:clrMapOvr>
+    <a:masterClrMapping/>
+  </p:clrMapOvr>
+</p:notes>
+</file>
+
+<file path=ppt/notesSlides/notesSlide9.xml><?xml version="1.0" encoding="utf-8"?>
+<p:notes xmlns:a="http://schemas.openxmlformats.org/drawingml/2006/main" xmlns:r="http://schemas.openxmlformats.org/officeDocument/2006/relationships" xmlns:p="http://schemas.openxmlformats.org/presentationml/2006/main" showMasterSp="0" showMasterPhAnim="0">
+  <p:cSld>
+    <p:spTree>
+      <p:nvGrpSpPr>
+        <p:cNvPr id="1" name="Shape 271"/>
+        <p:cNvGrpSpPr/>
+        <p:nvPr/>
+      </p:nvGrpSpPr>
+      <p:grpSpPr>
+        <a:xfrm>
+          <a:off x="0" y="0"/>
+          <a:ext cx="0" cy="0"/>
+          <a:chOff x="0" y="0"/>
+          <a:chExt cx="0" cy="0"/>
+        </a:xfrm>
+      </p:grpSpPr>
+      <p:sp>
+        <p:nvSpPr>
+          <p:cNvPr id="272" name="Google Shape;272;gbb1345f365_0_275:notes"/>
+          <p:cNvSpPr>
+            <a:spLocks noGrp="1" noRot="1" noChangeAspect="1"/>
+          </p:cNvSpPr>
+          <p:nvPr>
+            <p:ph type="sldImg" idx="2"/>
+          </p:nvPr>
+        </p:nvSpPr>
+        <p:spPr>
+          <a:xfrm>
+            <a:off x="381000" y="685800"/>
+            <a:ext cx="6096000" cy="3429000"/>
+          </a:xfrm>
+          <a:custGeom>
+            <a:avLst/>
+            <a:gdLst/>
+            <a:ahLst/>
+            <a:cxnLst/>
+            <a:rect l="l" t="t" r="r" b="b"/>
+            <a:pathLst>
+              <a:path w="120000" h="120000" extrusionOk="0">
+                <a:moveTo>
+                  <a:pt x="0" y="0"/>
+                </a:moveTo>
+                <a:lnTo>
+                  <a:pt x="120000" y="0"/>
+                </a:lnTo>
+                <a:lnTo>
+                  <a:pt x="120000" y="120000"/>
+                </a:lnTo>
+                <a:lnTo>
+                  <a:pt x="0" y="120000"/>
+                </a:lnTo>
+                <a:close/>
+              </a:path>
+            </a:pathLst>
+          </a:custGeom>
+        </p:spPr>
+      </p:sp>
+      <p:sp>
+        <p:nvSpPr>
+          <p:cNvPr id="273" name="Google Shape;273;gbb1345f365_0_275:notes"/>
+          <p:cNvSpPr txBox="1">
+            <a:spLocks noGrp="1"/>
+          </p:cNvSpPr>
+          <p:nvPr>
+            <p:ph type="body" idx="1"/>
+          </p:nvPr>
+        </p:nvSpPr>
+        <p:spPr>
+          <a:xfrm>
+            <a:off x="685800" y="4343400"/>
+            <a:ext cx="5486400" cy="4114800"/>
+          </a:xfrm>
+          <a:prstGeom prst="rect">
+            <a:avLst/>
+          </a:prstGeom>
+        </p:spPr>
+        <p:txBody>
+          <a:bodyPr spcFirstLastPara="1" wrap="square" lIns="91425" tIns="91425" rIns="91425" bIns="91425" anchor="t" anchorCtr="0">
+            <a:noAutofit/>
+          </a:bodyPr>
+          <a:lstStyle/>
+          <a:p>
+            <a:pPr marL="0" lvl="0" indent="0" algn="l" rtl="0">
+              <a:spcBef>
+                <a:spcPts val="0"/>
+              </a:spcBef>
+              <a:spcAft>
+                <a:spcPts val="0"/>
+              </a:spcAft>
+              <a:buNone/>
+            </a:pPr>
+            <a:endParaRPr/>
+          </a:p>
+        </p:txBody>
+      </p:sp>
+    </p:spTree>
+    <p:extLst>
+      <p:ext uri="{BB962C8B-B14F-4D97-AF65-F5344CB8AC3E}">
+        <p14:creationId xmlns:p14="http://schemas.microsoft.com/office/powerpoint/2010/main" val="1611226191"/>
       </p:ext>
     </p:extLst>
   </p:cSld>
@@ -6938,24 +7074,12 @@
               </a:rPr>
               <a:t>)</a:t>
             </a:r>
-            <a:r>
-              <a:rPr lang="en-IN" sz="1800" dirty="0"/>
-              <a:t/>
-            </a:r>
             <a:br>
               <a:rPr lang="en-IN" sz="1800" dirty="0"/>
             </a:br>
-            <a:r>
-              <a:rPr lang="en-IN" sz="1800" dirty="0"/>
-              <a:t/>
-            </a:r>
             <a:br>
               <a:rPr lang="en-IN" sz="1800" dirty="0"/>
             </a:br>
-            <a:r>
-              <a:rPr lang="en-IN" sz="1800" dirty="0"/>
-              <a:t/>
-            </a:r>
             <a:br>
               <a:rPr lang="en-IN" sz="1800" dirty="0"/>
             </a:br>
@@ -6992,6 +7116,264 @@
 </file>
 
 <file path=ppt/slides/slide10.xml><?xml version="1.0" encoding="utf-8"?>
+<p:sld xmlns:a="http://schemas.openxmlformats.org/drawingml/2006/main" xmlns:r="http://schemas.openxmlformats.org/officeDocument/2006/relationships" xmlns:p="http://schemas.openxmlformats.org/presentationml/2006/main">
+  <p:cSld>
+    <p:spTree>
+      <p:nvGrpSpPr>
+        <p:cNvPr id="1" name="Shape 274"/>
+        <p:cNvGrpSpPr/>
+        <p:nvPr/>
+      </p:nvGrpSpPr>
+      <p:grpSpPr>
+        <a:xfrm>
+          <a:off x="0" y="0"/>
+          <a:ext cx="0" cy="0"/>
+          <a:chOff x="0" y="0"/>
+          <a:chExt cx="0" cy="0"/>
+        </a:xfrm>
+      </p:grpSpPr>
+      <p:sp>
+        <p:nvSpPr>
+          <p:cNvPr id="275" name="Google Shape;275;p21"/>
+          <p:cNvSpPr txBox="1">
+            <a:spLocks noGrp="1"/>
+          </p:cNvSpPr>
+          <p:nvPr>
+            <p:ph type="title"/>
+          </p:nvPr>
+        </p:nvSpPr>
+        <p:spPr>
+          <a:xfrm>
+            <a:off x="1701625" y="205675"/>
+            <a:ext cx="5794200" cy="623400"/>
+          </a:xfrm>
+          <a:prstGeom prst="rect">
+            <a:avLst/>
+          </a:prstGeom>
+        </p:spPr>
+        <p:txBody>
+          <a:bodyPr spcFirstLastPara="1" wrap="square" lIns="91425" tIns="91425" rIns="91425" bIns="91425" anchor="t" anchorCtr="0">
+            <a:noAutofit/>
+          </a:bodyPr>
+          <a:lstStyle/>
+          <a:p>
+            <a:pPr marL="0" lvl="0" indent="0" algn="ctr" rtl="0">
+              <a:spcBef>
+                <a:spcPts val="0"/>
+              </a:spcBef>
+              <a:spcAft>
+                <a:spcPts val="0"/>
+              </a:spcAft>
+              <a:buClr>
+                <a:schemeClr val="accent6"/>
+              </a:buClr>
+              <a:buSzPts val="1100"/>
+              <a:buFont typeface="Arial"/>
+              <a:buNone/>
+            </a:pPr>
+            <a:r>
+              <a:rPr lang="en">
+                <a:solidFill>
+                  <a:schemeClr val="accent6"/>
+                </a:solidFill>
+              </a:rPr>
+              <a:t>Working Prototype </a:t>
+            </a:r>
+            <a:endParaRPr/>
+          </a:p>
+        </p:txBody>
+      </p:sp>
+      <p:sp>
+        <p:nvSpPr>
+          <p:cNvPr id="276" name="Google Shape;276;p21"/>
+          <p:cNvSpPr txBox="1">
+            <a:spLocks noGrp="1"/>
+          </p:cNvSpPr>
+          <p:nvPr>
+            <p:ph type="title"/>
+          </p:nvPr>
+        </p:nvSpPr>
+        <p:spPr>
+          <a:xfrm>
+            <a:off x="674950" y="1022600"/>
+            <a:ext cx="7857600" cy="3690000"/>
+          </a:xfrm>
+          <a:prstGeom prst="rect">
+            <a:avLst/>
+          </a:prstGeom>
+        </p:spPr>
+        <p:txBody>
+          <a:bodyPr spcFirstLastPara="1" wrap="square" lIns="91425" tIns="91425" rIns="91425" bIns="91425" numCol="1" anchor="t" anchorCtr="0">
+            <a:noAutofit/>
+          </a:bodyPr>
+          <a:lstStyle/>
+          <a:p>
+            <a:pPr marL="0" lvl="0" indent="0" algn="l" rtl="0">
+              <a:spcBef>
+                <a:spcPts val="0"/>
+              </a:spcBef>
+              <a:spcAft>
+                <a:spcPts val="0"/>
+              </a:spcAft>
+              <a:buClr>
+                <a:schemeClr val="accent6"/>
+              </a:buClr>
+              <a:buSzPts val="1100"/>
+              <a:buFont typeface="Arial"/>
+              <a:buNone/>
+            </a:pPr>
+            <a:r>
+              <a:rPr lang="en-IN" sz="1900" b="0" dirty="0">
+                <a:solidFill>
+                  <a:schemeClr val="accent6"/>
+                </a:solidFill>
+                <a:latin typeface="Roboto"/>
+                <a:ea typeface="Roboto"/>
+                <a:cs typeface="Roboto"/>
+                <a:sym typeface="Roboto"/>
+              </a:rPr>
+              <a:t>          </a:t>
+            </a:r>
+            <a:br>
+              <a:rPr lang="en-IN" sz="1900" b="0" dirty="0">
+                <a:solidFill>
+                  <a:schemeClr val="accent6"/>
+                </a:solidFill>
+                <a:latin typeface="Roboto"/>
+                <a:ea typeface="Roboto"/>
+                <a:cs typeface="Roboto"/>
+                <a:sym typeface="Roboto"/>
+              </a:rPr>
+            </a:br>
+            <a:br>
+              <a:rPr lang="en-IN" sz="1900" b="0" dirty="0">
+                <a:solidFill>
+                  <a:schemeClr val="accent6"/>
+                </a:solidFill>
+                <a:latin typeface="Roboto"/>
+                <a:ea typeface="Roboto"/>
+                <a:cs typeface="Roboto"/>
+                <a:sym typeface="Roboto"/>
+              </a:rPr>
+            </a:br>
+            <a:br>
+              <a:rPr lang="en-IN" sz="1900" b="0" dirty="0">
+                <a:solidFill>
+                  <a:schemeClr val="accent6"/>
+                </a:solidFill>
+                <a:latin typeface="Roboto"/>
+                <a:ea typeface="Roboto"/>
+                <a:cs typeface="Roboto"/>
+                <a:sym typeface="Roboto"/>
+              </a:rPr>
+            </a:br>
+            <a:br>
+              <a:rPr lang="en-IN" sz="1900" b="0" dirty="0">
+                <a:solidFill>
+                  <a:schemeClr val="accent6"/>
+                </a:solidFill>
+                <a:latin typeface="MV Boli" panose="02000500030200090000" pitchFamily="2" charset="0"/>
+                <a:ea typeface="Roboto"/>
+                <a:cs typeface="MV Boli" panose="02000500030200090000" pitchFamily="2" charset="0"/>
+                <a:sym typeface="Roboto"/>
+              </a:rPr>
+            </a:br>
+            <a:r>
+              <a:rPr lang="en-IN" sz="1900" b="0" dirty="0">
+                <a:solidFill>
+                  <a:schemeClr val="accent6"/>
+                </a:solidFill>
+                <a:latin typeface="MV Boli" panose="02000500030200090000" pitchFamily="2" charset="0"/>
+                <a:ea typeface="Roboto"/>
+                <a:cs typeface="MV Boli" panose="02000500030200090000" pitchFamily="2" charset="0"/>
+                <a:sym typeface="Roboto"/>
+              </a:rPr>
+              <a:t>          Link to </a:t>
+            </a:r>
+            <a:r>
+              <a:rPr lang="en-IN" sz="1900" b="0" dirty="0" err="1">
+                <a:solidFill>
+                  <a:schemeClr val="accent6"/>
+                </a:solidFill>
+                <a:latin typeface="MV Boli" panose="02000500030200090000" pitchFamily="2" charset="0"/>
+                <a:ea typeface="Roboto"/>
+                <a:cs typeface="MV Boli" panose="02000500030200090000" pitchFamily="2" charset="0"/>
+                <a:sym typeface="Roboto"/>
+              </a:rPr>
+              <a:t>website:https</a:t>
+            </a:r>
+            <a:r>
+              <a:rPr lang="en-IN" sz="1900" b="0" dirty="0">
+                <a:solidFill>
+                  <a:schemeClr val="accent6"/>
+                </a:solidFill>
+                <a:latin typeface="MV Boli" panose="02000500030200090000" pitchFamily="2" charset="0"/>
+                <a:ea typeface="Roboto"/>
+                <a:cs typeface="MV Boli" panose="02000500030200090000" pitchFamily="2" charset="0"/>
+                <a:sym typeface="Roboto"/>
+              </a:rPr>
+              <a:t>://b2me.netlify.app/</a:t>
+            </a:r>
+            <a:br>
+              <a:rPr lang="en-IN" sz="1900" b="0" dirty="0">
+                <a:solidFill>
+                  <a:schemeClr val="accent6"/>
+                </a:solidFill>
+                <a:latin typeface="MV Boli" panose="02000500030200090000" pitchFamily="2" charset="0"/>
+                <a:ea typeface="Roboto"/>
+                <a:cs typeface="MV Boli" panose="02000500030200090000" pitchFamily="2" charset="0"/>
+                <a:sym typeface="Roboto"/>
+              </a:rPr>
+            </a:br>
+            <a:br>
+              <a:rPr lang="en-IN" sz="1900" b="0" dirty="0">
+                <a:solidFill>
+                  <a:schemeClr val="accent6"/>
+                </a:solidFill>
+                <a:latin typeface="MV Boli" panose="02000500030200090000" pitchFamily="2" charset="0"/>
+                <a:ea typeface="Roboto"/>
+                <a:cs typeface="MV Boli" panose="02000500030200090000" pitchFamily="2" charset="0"/>
+                <a:sym typeface="Roboto"/>
+              </a:rPr>
+            </a:br>
+            <a:r>
+              <a:rPr lang="en-IN" sz="1900" b="0" dirty="0">
+                <a:solidFill>
+                  <a:schemeClr val="accent6"/>
+                </a:solidFill>
+                <a:latin typeface="MV Boli" panose="02000500030200090000" pitchFamily="2" charset="0"/>
+                <a:ea typeface="Roboto"/>
+                <a:cs typeface="MV Boli" panose="02000500030200090000" pitchFamily="2" charset="0"/>
+                <a:sym typeface="Roboto"/>
+              </a:rPr>
+              <a:t>          Video link:</a:t>
+            </a:r>
+            <a:endParaRPr sz="1900" b="0" dirty="0">
+              <a:solidFill>
+                <a:schemeClr val="accent6"/>
+              </a:solidFill>
+              <a:latin typeface="MV Boli" panose="02000500030200090000" pitchFamily="2" charset="0"/>
+              <a:ea typeface="Roboto"/>
+              <a:cs typeface="MV Boli" panose="02000500030200090000" pitchFamily="2" charset="0"/>
+              <a:sym typeface="Roboto"/>
+            </a:endParaRPr>
+          </a:p>
+        </p:txBody>
+      </p:sp>
+    </p:spTree>
+    <p:extLst>
+      <p:ext uri="{BB962C8B-B14F-4D97-AF65-F5344CB8AC3E}">
+        <p14:creationId xmlns:p14="http://schemas.microsoft.com/office/powerpoint/2010/main" val="1738762459"/>
+      </p:ext>
+    </p:extLst>
+  </p:cSld>
+  <p:clrMapOvr>
+    <a:masterClrMapping/>
+  </p:clrMapOvr>
+</p:sld>
+</file>
+
+<file path=ppt/slides/slide11.xml><?xml version="1.0" encoding="utf-8"?>
 <p:sld xmlns:a="http://schemas.openxmlformats.org/drawingml/2006/main" xmlns:r="http://schemas.openxmlformats.org/officeDocument/2006/relationships" xmlns:p="http://schemas.openxmlformats.org/presentationml/2006/main">
   <p:cSld>
     <p:spTree>
@@ -10036,7 +10418,7 @@
 </p:sld>
 </file>
 
-<file path=ppt/slides/slide11.xml><?xml version="1.0" encoding="utf-8"?>
+<file path=ppt/slides/slide12.xml><?xml version="1.0" encoding="utf-8"?>
 <p:sld xmlns:a="http://schemas.openxmlformats.org/drawingml/2006/main" xmlns:r="http://schemas.openxmlformats.org/officeDocument/2006/relationships" xmlns:p="http://schemas.openxmlformats.org/presentationml/2006/main">
   <p:cSld>
     <p:bg>
@@ -11375,7 +11757,7 @@
                 <a:buNone/>
               </a:pPr>
               <a:r>
-                <a:rPr lang="en-US" sz="1300" dirty="0">
+                <a:rPr lang="en-US" sz="1300">
                   <a:solidFill>
                     <a:schemeClr val="accent6"/>
                   </a:solidFill>
@@ -11384,7 +11766,7 @@
                   <a:cs typeface="Roboto"/>
                   <a:sym typeface="Roboto"/>
                 </a:rPr>
-                <a:t>Captain</a:t>
+                <a:t>Team Lead</a:t>
               </a:r>
               <a:endParaRPr sz="1300" dirty="0">
                 <a:solidFill>
@@ -12206,52 +12588,7 @@
                   <a:cs typeface="Roboto"/>
                   <a:sym typeface="Roboto"/>
                 </a:rPr>
-                <a:t>We </a:t>
-              </a:r>
-              <a:r>
-                <a:rPr lang="en-US" sz="1200" dirty="0" smtClean="0">
-                  <a:latin typeface="Roboto"/>
-                  <a:ea typeface="Roboto"/>
-                  <a:cs typeface="Roboto"/>
-                  <a:sym typeface="Roboto"/>
-                </a:rPr>
-                <a:t>would be</a:t>
-              </a:r>
-              <a:r>
-                <a:rPr lang="en-US" sz="1200" dirty="0" smtClean="0">
-                  <a:latin typeface="Roboto"/>
-                  <a:ea typeface="Roboto"/>
-                  <a:cs typeface="Roboto"/>
-                  <a:sym typeface="Roboto"/>
-                </a:rPr>
-                <a:t> </a:t>
-              </a:r>
-              <a:r>
-                <a:rPr lang="en-US" sz="1200" dirty="0">
-                  <a:latin typeface="Roboto"/>
-                  <a:ea typeface="Roboto"/>
-                  <a:cs typeface="Roboto"/>
-                  <a:sym typeface="Roboto"/>
-                </a:rPr>
-                <a:t>using </a:t>
-              </a:r>
-              <a:r>
-                <a:rPr lang="en-US" sz="1200" dirty="0" smtClean="0">
-                  <a:latin typeface="Roboto"/>
-                  <a:ea typeface="Roboto"/>
-                  <a:cs typeface="Roboto"/>
-                  <a:sym typeface="Roboto"/>
-                </a:rPr>
-                <a:t>HTML,CSS, SASS/SCSS , JS </a:t>
-              </a:r>
-              <a:r>
-                <a:rPr lang="en-US" sz="1200" dirty="0">
-                  <a:latin typeface="Roboto"/>
-                  <a:ea typeface="Roboto"/>
-                  <a:cs typeface="Roboto"/>
-                  <a:sym typeface="Roboto"/>
-                </a:rPr>
-                <a:t>to solve this problem</a:t>
+                <a:t>We would be using HTML,CSS, SASS/SCSS , JS to solve this problem</a:t>
               </a:r>
             </a:p>
             <a:p>
@@ -13050,16 +13387,12 @@
                 <a:t>To produce different variants of </a:t>
               </a:r>
               <a:r>
-                <a:rPr lang="en-US" sz="1050" dirty="0" err="1" smtClean="0"/>
+                <a:rPr lang="en-US" sz="1050" dirty="0" err="1"/>
                 <a:t>colour</a:t>
               </a:r>
               <a:r>
-                <a:rPr lang="en-US" sz="1050" dirty="0" smtClean="0"/>
-                <a:t> of </a:t>
-              </a:r>
-              <a:r>
                 <a:rPr lang="en-US" sz="1050" dirty="0"/>
-                <a:t>a dress. Test data, if required, can be downloaded from any regular e-commerce portals, such as </a:t>
+                <a:t> of a dress. Test data, if required, can be downloaded from any regular e-commerce portals, such as </a:t>
               </a:r>
               <a:r>
                 <a:rPr lang="en-US" sz="1050" dirty="0" err="1"/>
@@ -15909,19 +16242,7 @@
                 <a:cs typeface="Roboto"/>
                 <a:sym typeface="Roboto"/>
               </a:rPr>
-              <a:t>CSS </a:t>
-            </a:r>
-            <a:r>
-              <a:rPr lang="en-US" sz="1800" dirty="0" smtClean="0">
-                <a:solidFill>
-                  <a:schemeClr val="accent6"/>
-                </a:solidFill>
-                <a:latin typeface="Roboto"/>
-                <a:ea typeface="Roboto"/>
-                <a:cs typeface="Roboto"/>
-                <a:sym typeface="Roboto"/>
-              </a:rPr>
-              <a:t>3 </a:t>
+              <a:t>CSS 3 </a:t>
             </a:r>
             <a:endParaRPr sz="1800" dirty="0">
               <a:solidFill>
@@ -16416,7 +16737,7 @@
           <a:p>
             <a:pPr lvl="0"/>
             <a:r>
-              <a:rPr lang="en-IN" sz="2400" dirty="0" smtClean="0">
+              <a:rPr lang="en-IN" sz="2400" dirty="0">
                 <a:solidFill>
                   <a:schemeClr val="accent2"/>
                 </a:solidFill>
@@ -16427,15 +16748,6 @@
               </a:rPr>
               <a:t>Tech3 </a:t>
             </a:r>
-            <a:endParaRPr lang="en-IN" sz="2400" dirty="0">
-              <a:solidFill>
-                <a:schemeClr val="accent2"/>
-              </a:solidFill>
-              <a:latin typeface="Fira Sans Extra Condensed"/>
-              <a:ea typeface="Fira Sans Extra Condensed"/>
-              <a:cs typeface="Fira Sans Extra Condensed"/>
-              <a:sym typeface="Fira Sans Extra Condensed"/>
-            </a:endParaRPr>
           </a:p>
         </p:txBody>
       </p:sp>
@@ -16523,7 +16835,7 @@
           <a:lstStyle/>
           <a:p>
             <a:r>
-              <a:rPr lang="en-US" dirty="0" smtClean="0"/>
+              <a:rPr lang="en-US" dirty="0"/>
               <a:t>SASS/SCSS/ JS</a:t>
             </a:r>
             <a:endParaRPr lang="en-IN" dirty="0"/>
@@ -19541,7 +19853,7 @@
                 <a:buNone/>
               </a:pPr>
               <a:r>
-                <a:rPr lang="en-US" sz="1200" dirty="0" smtClean="0">
+                <a:rPr lang="en-US" sz="1200" dirty="0">
                   <a:latin typeface="Roboto"/>
                   <a:ea typeface="Roboto"/>
                   <a:cs typeface="Roboto"/>
@@ -19753,7 +20065,7 @@
                 <a:buNone/>
               </a:pPr>
               <a:r>
-                <a:rPr lang="en" sz="1200" dirty="0" smtClean="0">
+                <a:rPr lang="en" sz="1200" dirty="0">
                   <a:solidFill>
                     <a:schemeClr val="accent6"/>
                   </a:solidFill>
@@ -19965,7 +20277,7 @@
                 <a:buNone/>
               </a:pPr>
               <a:r>
-                <a:rPr lang="en" sz="1200" dirty="0" smtClean="0">
+                <a:rPr lang="en" sz="1200" dirty="0">
                   <a:solidFill>
                     <a:schemeClr val="accent6"/>
                   </a:solidFill>
@@ -20202,18 +20514,6 @@
                 <a:sym typeface="Roboto"/>
               </a:rPr>
             </a:br>
-            <a:r>
-              <a:rPr lang="en" sz="1900" b="0" dirty="0">
-                <a:solidFill>
-                  <a:schemeClr val="accent6"/>
-                </a:solidFill>
-                <a:latin typeface="Roboto"/>
-                <a:ea typeface="Roboto"/>
-                <a:cs typeface="Roboto"/>
-                <a:sym typeface="Roboto"/>
-              </a:rPr>
-              <a:t/>
-            </a:r>
             <a:br>
               <a:rPr lang="en" sz="1900" b="0" dirty="0">
                 <a:solidFill>
@@ -20239,30 +20539,14 @@
             </a:r>
             <a:r>
               <a:rPr lang="en-US" sz="1800" b="0" dirty="0"/>
-              <a:t> available for them</a:t>
-            </a:r>
-            <a:r>
-              <a:rPr lang="en-US" sz="1800" b="0" dirty="0" smtClean="0"/>
-              <a:t>.</a:t>
-            </a:r>
-            <a:r>
-              <a:rPr lang="en-US" sz="1800" dirty="0"/>
-              <a:t/>
+              <a:t> available for them.</a:t>
             </a:r>
             <a:br>
               <a:rPr lang="en-US" sz="1800" dirty="0"/>
             </a:br>
             <a:r>
               <a:rPr lang="en-US" sz="1800" b="0" dirty="0"/>
-              <a:t>We do not really have platforms which allow people to choose their </a:t>
-            </a:r>
-            <a:r>
-              <a:rPr lang="en-US" sz="1800" b="0" dirty="0" err="1"/>
-              <a:t>tshirts</a:t>
-            </a:r>
-            <a:r>
-              <a:rPr lang="en-US" sz="1800" b="0" dirty="0"/>
-              <a:t> or jeans in different </a:t>
+              <a:t>We do not really have platforms which allow people to choose their t-shirts or jeans in different </a:t>
             </a:r>
             <a:r>
               <a:rPr lang="en-US" sz="1800" b="0" dirty="0" err="1"/>
@@ -20294,15 +20578,7 @@
             </a:r>
             <a:r>
               <a:rPr lang="en-US" sz="1800" b="0" dirty="0"/>
-              <a:t> and have it delivered to your home? So with this problem statement in mind, we designed our web-app</a:t>
-            </a:r>
-            <a:r>
-              <a:rPr lang="en-US" sz="1800" b="0" dirty="0" smtClean="0"/>
-              <a:t>.</a:t>
-            </a:r>
-            <a:r>
-              <a:rPr lang="en-US" sz="1800" dirty="0"/>
-              <a:t/>
+              <a:t> and have it delivered to your home? So with this problem statement in mind, we designed our web-app.</a:t>
             </a:r>
             <a:br>
               <a:rPr lang="en-US" sz="1800" dirty="0"/>
@@ -20318,10 +20594,6 @@
             <a:r>
               <a:rPr lang="en-US" sz="1800" b="0" dirty="0"/>
               <a:t> easy. Under the hood, we have a really simple web-app, resembling the most popular E-Commerce websites and user familiarity. We hope that anyone would be able to use our web app without any former knowledge about it.</a:t>
-            </a:r>
-            <a:r>
-              <a:rPr lang="en-US" sz="2000" b="0" dirty="0"/>
-              <a:t/>
             </a:r>
             <a:br>
               <a:rPr lang="en-US" sz="2000" b="0" dirty="0"/>
@@ -20877,7 +21149,7 @@
                 <a:buNone/>
               </a:pPr>
               <a:r>
-                <a:rPr lang="en" sz="1200" dirty="0" smtClean="0">
+                <a:rPr lang="en" sz="1200" dirty="0">
                   <a:solidFill>
                     <a:schemeClr val="accent6"/>
                   </a:solidFill>
@@ -20900,7 +21172,7 @@
                 <a:buNone/>
               </a:pPr>
               <a:r>
-                <a:rPr lang="en" sz="1200" dirty="0" smtClean="0">
+                <a:rPr lang="en" sz="1200" dirty="0">
                   <a:solidFill>
                     <a:schemeClr val="accent6"/>
                   </a:solidFill>
@@ -21385,7 +21657,7 @@
                 <a:buNone/>
               </a:pPr>
               <a:r>
-                <a:rPr lang="en" sz="1200" dirty="0" smtClean="0">
+                <a:rPr lang="en" sz="1200" dirty="0">
                   <a:solidFill>
                     <a:schemeClr val="accent6"/>
                   </a:solidFill>
@@ -21413,7 +21685,7 @@
                 <a:buNone/>
               </a:pPr>
               <a:r>
-                <a:rPr lang="en-IN" sz="1200" dirty="0" smtClean="0">
+                <a:rPr lang="en-IN" sz="1200" dirty="0">
                   <a:solidFill>
                     <a:schemeClr val="accent6"/>
                   </a:solidFill>
@@ -21425,7 +21697,7 @@
                 <a:t>I</a:t>
               </a:r>
               <a:r>
-                <a:rPr lang="en" sz="1200" dirty="0" smtClean="0">
+                <a:rPr lang="en" sz="1200" dirty="0">
                   <a:solidFill>
                     <a:schemeClr val="accent6"/>
                   </a:solidFill>
@@ -21929,7 +22201,7 @@
                 <a:buNone/>
               </a:pPr>
               <a:r>
-                <a:rPr lang="en-IN" sz="1200" dirty="0" smtClean="0">
+                <a:rPr lang="en-IN" sz="1200" dirty="0">
                   <a:solidFill>
                     <a:schemeClr val="accent6"/>
                   </a:solidFill>
@@ -21941,7 +22213,7 @@
                 <a:t>E</a:t>
               </a:r>
               <a:r>
-                <a:rPr lang="en" sz="1200" dirty="0" smtClean="0">
+                <a:rPr lang="en" sz="1200" dirty="0">
                   <a:solidFill>
                     <a:schemeClr val="accent6"/>
                   </a:solidFill>
@@ -22449,7 +22721,7 @@
                 <a:buNone/>
               </a:pPr>
               <a:r>
-                <a:rPr lang="en" sz="1200" dirty="0" smtClean="0">
+                <a:rPr lang="en" sz="1200" dirty="0">
                   <a:solidFill>
                     <a:schemeClr val="accent6"/>
                   </a:solidFill>
@@ -22477,7 +22749,7 @@
                 <a:buNone/>
               </a:pPr>
               <a:r>
-                <a:rPr lang="en-IN" sz="1200" dirty="0" smtClean="0">
+                <a:rPr lang="en-IN" sz="1200" dirty="0">
                   <a:solidFill>
                     <a:schemeClr val="accent6"/>
                   </a:solidFill>
@@ -22489,7 +22761,7 @@
                 <a:t>D</a:t>
               </a:r>
               <a:r>
-                <a:rPr lang="en" sz="1200" dirty="0" smtClean="0">
+                <a:rPr lang="en" sz="1200" dirty="0">
                   <a:solidFill>
                     <a:schemeClr val="accent6"/>
                   </a:solidFill>
@@ -22517,7 +22789,7 @@
                 <a:buNone/>
               </a:pPr>
               <a:r>
-                <a:rPr lang="en-IN" sz="1200" dirty="0" smtClean="0">
+                <a:rPr lang="en-IN" sz="1200" dirty="0">
                   <a:solidFill>
                     <a:schemeClr val="accent6"/>
                   </a:solidFill>
@@ -22529,7 +22801,7 @@
                 <a:t>R</a:t>
               </a:r>
               <a:r>
-                <a:rPr lang="en" sz="1200" dirty="0" smtClean="0">
+                <a:rPr lang="en" sz="1200" dirty="0">
                   <a:solidFill>
                     <a:schemeClr val="accent6"/>
                   </a:solidFill>
@@ -24758,7 +25030,7 @@
   <p:cSld>
     <p:spTree>
       <p:nvGrpSpPr>
-        <p:cNvPr id="1" name="Shape 268"/>
+        <p:cNvPr id="1" name="Shape 274"/>
         <p:cNvGrpSpPr/>
         <p:nvPr/>
       </p:nvGrpSpPr>
@@ -24772,7 +25044,7 @@
       </p:grpSpPr>
       <p:sp>
         <p:nvSpPr>
-          <p:cNvPr id="269" name="Google Shape;269;p20"/>
+          <p:cNvPr id="275" name="Google Shape;275;p21"/>
           <p:cNvSpPr txBox="1">
             <a:spLocks noGrp="1"/>
           </p:cNvSpPr>
@@ -24782,7 +25054,7 @@
         </p:nvSpPr>
         <p:spPr>
           <a:xfrm>
-            <a:off x="1701625" y="205675"/>
+            <a:off x="1443208" y="66261"/>
             <a:ext cx="5794200" cy="623400"/>
           </a:xfrm>
           <a:prstGeom prst="rect">
@@ -24810,20 +25082,20 @@
               <a:buNone/>
             </a:pPr>
             <a:r>
-              <a:rPr lang="en">
+              <a:rPr lang="en" dirty="0">
                 <a:solidFill>
                   <a:schemeClr val="accent6"/>
                 </a:solidFill>
               </a:rPr>
-              <a:t>Social Impact</a:t>
+              <a:t>Working Prototype </a:t>
             </a:r>
-            <a:endParaRPr/>
+            <a:endParaRPr dirty="0"/>
           </a:p>
         </p:txBody>
       </p:sp>
       <p:sp>
         <p:nvSpPr>
-          <p:cNvPr id="270" name="Google Shape;270;p20"/>
+          <p:cNvPr id="276" name="Google Shape;276;p21"/>
           <p:cNvSpPr txBox="1">
             <a:spLocks noGrp="1"/>
           </p:cNvSpPr>
@@ -24860,88 +25132,128 @@
               <a:buFont typeface="Arial"/>
               <a:buNone/>
             </a:pPr>
-            <a:r>
-              <a:rPr lang="en" sz="1900">
+            <a:br>
+              <a:rPr lang="en-IN" sz="2400" b="0" dirty="0">
                 <a:solidFill>
                   <a:schemeClr val="accent6"/>
                 </a:solidFill>
-                <a:latin typeface="Roboto"/>
+                <a:latin typeface="Calibri" panose="020F0502020204030204" pitchFamily="34" charset="0"/>
                 <a:ea typeface="Roboto"/>
-                <a:cs typeface="Roboto"/>
+                <a:cs typeface="Calibri" panose="020F0502020204030204" pitchFamily="34" charset="0"/>
                 <a:sym typeface="Roboto"/>
               </a:rPr>
-              <a:t>This slide is optional</a:t>
-            </a:r>
-            <a:endParaRPr sz="1900">
+            </a:br>
+            <a:br>
+              <a:rPr lang="en-IN" sz="2400" b="0" dirty="0">
+                <a:solidFill>
+                  <a:schemeClr val="accent6"/>
+                </a:solidFill>
+                <a:latin typeface="Calibri" panose="020F0502020204030204" pitchFamily="34" charset="0"/>
+                <a:ea typeface="Roboto"/>
+                <a:cs typeface="Calibri" panose="020F0502020204030204" pitchFamily="34" charset="0"/>
+                <a:sym typeface="Roboto"/>
+              </a:rPr>
+            </a:br>
+            <a:endParaRPr sz="2400" b="0" dirty="0">
               <a:solidFill>
                 <a:schemeClr val="accent6"/>
               </a:solidFill>
-              <a:latin typeface="Roboto"/>
+              <a:latin typeface="Calibri" panose="020F0502020204030204" pitchFamily="34" charset="0"/>
               <a:ea typeface="Roboto"/>
-              <a:cs typeface="Roboto"/>
+              <a:cs typeface="Calibri" panose="020F0502020204030204" pitchFamily="34" charset="0"/>
               <a:sym typeface="Roboto"/>
             </a:endParaRPr>
           </a:p>
+        </p:txBody>
+      </p:sp>
+      <p:pic>
+        <p:nvPicPr>
+          <p:cNvPr id="3" name="Picture 2">
+            <a:extLst>
+              <a:ext uri="{FF2B5EF4-FFF2-40B4-BE49-F238E27FC236}">
+                <a16:creationId xmlns:a16="http://schemas.microsoft.com/office/drawing/2014/main" id="{E4F99E58-9140-4DA7-A328-135569885AEE}"/>
+              </a:ext>
+            </a:extLst>
+          </p:cNvPr>
+          <p:cNvPicPr>
+            <a:picLocks noChangeAspect="1"/>
+          </p:cNvPicPr>
+          <p:nvPr/>
+        </p:nvPicPr>
+        <p:blipFill>
+          <a:blip r:embed="rId3"/>
+          <a:stretch>
+            <a:fillRect/>
+          </a:stretch>
+        </p:blipFill>
+        <p:spPr>
+          <a:xfrm>
+            <a:off x="743032" y="1082235"/>
+            <a:ext cx="7726018" cy="3901326"/>
+          </a:xfrm>
+          <a:prstGeom prst="rect">
+            <a:avLst/>
+          </a:prstGeom>
+        </p:spPr>
+      </p:pic>
+      <p:sp>
+        <p:nvSpPr>
+          <p:cNvPr id="4" name="Rectangle 3">
+            <a:extLst>
+              <a:ext uri="{FF2B5EF4-FFF2-40B4-BE49-F238E27FC236}">
+                <a16:creationId xmlns:a16="http://schemas.microsoft.com/office/drawing/2014/main" id="{E12FBBFA-CC80-48A3-A212-D0E6835C3F13}"/>
+              </a:ext>
+            </a:extLst>
+          </p:cNvPr>
+          <p:cNvSpPr/>
+          <p:nvPr/>
+        </p:nvSpPr>
+        <p:spPr>
+          <a:xfrm>
+            <a:off x="611450" y="544431"/>
+            <a:ext cx="2948609" cy="623400"/>
+          </a:xfrm>
+          <a:prstGeom prst="rect">
+            <a:avLst/>
+          </a:prstGeom>
+          <a:noFill/>
+          <a:ln>
+            <a:noFill/>
+          </a:ln>
+        </p:spPr>
+        <p:style>
+          <a:lnRef idx="0">
+            <a:scrgbClr r="0" g="0" b="0"/>
+          </a:lnRef>
+          <a:fillRef idx="0">
+            <a:scrgbClr r="0" g="0" b="0"/>
+          </a:fillRef>
+          <a:effectRef idx="0">
+            <a:scrgbClr r="0" g="0" b="0"/>
+          </a:effectRef>
+          <a:fontRef idx="minor">
+            <a:schemeClr val="accent5"/>
+          </a:fontRef>
+        </p:style>
+        <p:txBody>
+          <a:bodyPr rtlCol="0" anchor="ctr"/>
+          <a:lstStyle/>
           <a:p>
-            <a:pPr marL="0" lvl="0" indent="0" algn="l" rtl="0">
-              <a:spcBef>
-                <a:spcPts val="0"/>
-              </a:spcBef>
-              <a:spcAft>
-                <a:spcPts val="0"/>
-              </a:spcAft>
-              <a:buClr>
-                <a:schemeClr val="accent6"/>
-              </a:buClr>
-              <a:buSzPts val="1100"/>
-              <a:buFont typeface="Arial"/>
-              <a:buNone/>
-            </a:pPr>
-            <a:endParaRPr sz="1900">
-              <a:solidFill>
-                <a:schemeClr val="accent6"/>
-              </a:solidFill>
-              <a:latin typeface="Roboto"/>
-              <a:ea typeface="Roboto"/>
-              <a:cs typeface="Roboto"/>
-              <a:sym typeface="Roboto"/>
-            </a:endParaRPr>
-          </a:p>
-          <a:p>
-            <a:pPr marL="0" lvl="0" indent="0" algn="l" rtl="0">
-              <a:spcBef>
-                <a:spcPts val="0"/>
-              </a:spcBef>
-              <a:spcAft>
-                <a:spcPts val="0"/>
-              </a:spcAft>
-              <a:buClr>
-                <a:schemeClr val="accent6"/>
-              </a:buClr>
-              <a:buSzPts val="1100"/>
-              <a:buFont typeface="Arial"/>
-              <a:buNone/>
-            </a:pPr>
+            <a:pPr algn="ctr"/>
             <a:r>
-              <a:rPr lang="en" sz="1900" b="0">
+              <a:rPr lang="en-IN" sz="2800" b="0" dirty="0">
                 <a:solidFill>
                   <a:schemeClr val="accent6"/>
                 </a:solidFill>
-                <a:latin typeface="Roboto"/>
+                <a:latin typeface="Algerian" panose="04020705040A02060702" pitchFamily="82" charset="0"/>
                 <a:ea typeface="Roboto"/>
-                <a:cs typeface="Roboto"/>
+                <a:cs typeface="Calibri" panose="020F0502020204030204" pitchFamily="34" charset="0"/>
                 <a:sym typeface="Roboto"/>
               </a:rPr>
-              <a:t>Describe briefly how this project affects society and whether it solves a social cause and how.</a:t>
+              <a:t>Landing Page:</a:t>
             </a:r>
-            <a:endParaRPr sz="1900" b="0">
-              <a:solidFill>
-                <a:schemeClr val="accent6"/>
-              </a:solidFill>
-              <a:latin typeface="Roboto"/>
-              <a:ea typeface="Roboto"/>
-              <a:cs typeface="Roboto"/>
-              <a:sym typeface="Roboto"/>
+            <a:endParaRPr lang="en-IN" dirty="0">
+              <a:latin typeface="Algerian" panose="04020705040A02060702" pitchFamily="82" charset="0"/>
             </a:endParaRPr>
           </a:p>
         </p:txBody>
@@ -24951,6 +25263,89 @@
   <p:clrMapOvr>
     <a:masterClrMapping/>
   </p:clrMapOvr>
+  <p:timing>
+    <p:tnLst>
+      <p:par>
+        <p:cTn id="1" dur="indefinite" restart="never" nodeType="tmRoot">
+          <p:childTnLst>
+            <p:seq concurrent="1" nextAc="seek">
+              <p:cTn id="2" dur="indefinite" nodeType="mainSeq">
+                <p:childTnLst>
+                  <p:par>
+                    <p:cTn id="3" fill="hold">
+                      <p:stCondLst>
+                        <p:cond delay="indefinite"/>
+                      </p:stCondLst>
+                      <p:childTnLst>
+                        <p:par>
+                          <p:cTn id="4" fill="hold">
+                            <p:stCondLst>
+                              <p:cond delay="0"/>
+                            </p:stCondLst>
+                            <p:childTnLst>
+                              <p:par>
+                                <p:cTn id="5" presetID="10" presetClass="entr" presetSubtype="0" fill="hold" nodeType="clickEffect">
+                                  <p:stCondLst>
+                                    <p:cond delay="0"/>
+                                  </p:stCondLst>
+                                  <p:childTnLst>
+                                    <p:set>
+                                      <p:cBhvr>
+                                        <p:cTn id="6" dur="1" fill="hold">
+                                          <p:stCondLst>
+                                            <p:cond delay="0"/>
+                                          </p:stCondLst>
+                                        </p:cTn>
+                                        <p:tgtEl>
+                                          <p:spTgt spid="3"/>
+                                        </p:tgtEl>
+                                        <p:attrNameLst>
+                                          <p:attrName>style.visibility</p:attrName>
+                                        </p:attrNameLst>
+                                      </p:cBhvr>
+                                      <p:to>
+                                        <p:strVal val="visible"/>
+                                      </p:to>
+                                    </p:set>
+                                    <p:animEffect transition="in" filter="fade">
+                                      <p:cBhvr>
+                                        <p:cTn id="7" dur="500"/>
+                                        <p:tgtEl>
+                                          <p:spTgt spid="3"/>
+                                        </p:tgtEl>
+                                      </p:cBhvr>
+                                    </p:animEffect>
+                                  </p:childTnLst>
+                                </p:cTn>
+                              </p:par>
+                            </p:childTnLst>
+                          </p:cTn>
+                        </p:par>
+                      </p:childTnLst>
+                    </p:cTn>
+                  </p:par>
+                </p:childTnLst>
+              </p:cTn>
+              <p:prevCondLst>
+                <p:cond evt="onPrev" delay="0">
+                  <p:tgtEl>
+                    <p:sldTgt/>
+                  </p:tgtEl>
+                </p:cond>
+              </p:prevCondLst>
+              <p:nextCondLst>
+                <p:cond evt="onNext" delay="0">
+                  <p:tgtEl>
+                    <p:sldTgt/>
+                  </p:tgtEl>
+                </p:cond>
+              </p:nextCondLst>
+            </p:seq>
+          </p:childTnLst>
+        </p:cTn>
+      </p:par>
+    </p:tnLst>
+  </p:timing>
 </p:sld>
 </file>
 
@@ -24983,7 +25378,7 @@
         </p:nvSpPr>
         <p:spPr>
           <a:xfrm>
-            <a:off x="1701625" y="205675"/>
+            <a:off x="1674900" y="60589"/>
             <a:ext cx="5794200" cy="623400"/>
           </a:xfrm>
           <a:prstGeom prst="rect">
@@ -25011,14 +25406,14 @@
               <a:buNone/>
             </a:pPr>
             <a:r>
-              <a:rPr lang="en">
+              <a:rPr lang="en" dirty="0">
                 <a:solidFill>
                   <a:schemeClr val="accent6"/>
                 </a:solidFill>
               </a:rPr>
               <a:t>Working Prototype </a:t>
             </a:r>
-            <a:endParaRPr/>
+            <a:endParaRPr dirty="0"/>
           </a:p>
         </p:txBody>
       </p:sp>
@@ -25061,8 +25456,8 @@
               <a:buFont typeface="Arial"/>
               <a:buNone/>
             </a:pPr>
-            <a:r>
-              <a:rPr lang="en" sz="1900" b="0">
+            <a:br>
+              <a:rPr lang="en" sz="1900" b="0" dirty="0">
                 <a:solidFill>
                   <a:schemeClr val="accent6"/>
                 </a:solidFill>
@@ -25071,46 +25466,8 @@
                 <a:cs typeface="Roboto"/>
                 <a:sym typeface="Roboto"/>
               </a:rPr>
-              <a:t>Include links, images and videos of your hack.</a:t>
-            </a:r>
-            <a:endParaRPr sz="1900" b="0">
-              <a:solidFill>
-                <a:schemeClr val="accent6"/>
-              </a:solidFill>
-              <a:latin typeface="Roboto"/>
-              <a:ea typeface="Roboto"/>
-              <a:cs typeface="Roboto"/>
-              <a:sym typeface="Roboto"/>
-            </a:endParaRPr>
-          </a:p>
-          <a:p>
-            <a:pPr marL="0" lvl="0" indent="0" algn="l" rtl="0">
-              <a:spcBef>
-                <a:spcPts val="0"/>
-              </a:spcBef>
-              <a:spcAft>
-                <a:spcPts val="0"/>
-              </a:spcAft>
-              <a:buClr>
-                <a:schemeClr val="accent6"/>
-              </a:buClr>
-              <a:buSzPts val="1100"/>
-              <a:buFont typeface="Arial"/>
-              <a:buNone/>
-            </a:pPr>
-            <a:r>
-              <a:rPr lang="en" sz="1900" b="0">
-                <a:solidFill>
-                  <a:schemeClr val="accent6"/>
-                </a:solidFill>
-                <a:latin typeface="Roboto"/>
-                <a:ea typeface="Roboto"/>
-                <a:cs typeface="Roboto"/>
-                <a:sym typeface="Roboto"/>
-              </a:rPr>
-              <a:t>You can duplicate this slide as per your requirement.</a:t>
-            </a:r>
-            <a:endParaRPr sz="1900" b="0">
+            </a:br>
+            <a:endParaRPr sz="1900" b="0" dirty="0">
               <a:solidFill>
                 <a:schemeClr val="accent6"/>
               </a:solidFill>
@@ -25122,7 +25479,88 @@
           </a:p>
         </p:txBody>
       </p:sp>
+      <p:sp>
+        <p:nvSpPr>
+          <p:cNvPr id="2" name="TextBox 1">
+            <a:extLst>
+              <a:ext uri="{FF2B5EF4-FFF2-40B4-BE49-F238E27FC236}">
+                <a16:creationId xmlns:a16="http://schemas.microsoft.com/office/drawing/2014/main" id="{240A31C6-7ADC-4096-A927-1B1DC18A733A}"/>
+              </a:ext>
+            </a:extLst>
+          </p:cNvPr>
+          <p:cNvSpPr txBox="1"/>
+          <p:nvPr/>
+        </p:nvSpPr>
+        <p:spPr>
+          <a:xfrm>
+            <a:off x="674949" y="537756"/>
+            <a:ext cx="3996441" cy="523220"/>
+          </a:xfrm>
+          <a:prstGeom prst="rect">
+            <a:avLst/>
+          </a:prstGeom>
+          <a:noFill/>
+        </p:spPr>
+        <p:txBody>
+          <a:bodyPr wrap="square" rtlCol="0">
+            <a:spAutoFit/>
+          </a:bodyPr>
+          <a:lstStyle/>
+          <a:p>
+            <a:r>
+              <a:rPr lang="en" sz="2800" b="0" dirty="0">
+                <a:solidFill>
+                  <a:schemeClr val="accent6"/>
+                </a:solidFill>
+                <a:latin typeface="Algerian" panose="04020705040A02060702" pitchFamily="82" charset="0"/>
+                <a:ea typeface="Roboto"/>
+                <a:cs typeface="Roboto"/>
+                <a:sym typeface="Roboto"/>
+              </a:rPr>
+              <a:t>Developer’s Page:</a:t>
+            </a:r>
+            <a:endParaRPr lang="en-IN" sz="2800" dirty="0">
+              <a:latin typeface="Algerian" panose="04020705040A02060702" pitchFamily="82" charset="0"/>
+            </a:endParaRPr>
+          </a:p>
+        </p:txBody>
+      </p:sp>
+      <p:pic>
+        <p:nvPicPr>
+          <p:cNvPr id="5" name="Picture 4">
+            <a:extLst>
+              <a:ext uri="{FF2B5EF4-FFF2-40B4-BE49-F238E27FC236}">
+                <a16:creationId xmlns:a16="http://schemas.microsoft.com/office/drawing/2014/main" id="{575E8F15-B1C9-45D6-ADFA-E4C2A3A4BA4E}"/>
+              </a:ext>
+            </a:extLst>
+          </p:cNvPr>
+          <p:cNvPicPr>
+            <a:picLocks noChangeAspect="1"/>
+          </p:cNvPicPr>
+          <p:nvPr/>
+        </p:nvPicPr>
+        <p:blipFill>
+          <a:blip r:embed="rId3"/>
+          <a:stretch>
+            <a:fillRect/>
+          </a:stretch>
+        </p:blipFill>
+        <p:spPr>
+          <a:xfrm>
+            <a:off x="430695" y="1161156"/>
+            <a:ext cx="8362121" cy="3775279"/>
+          </a:xfrm>
+          <a:prstGeom prst="rect">
+            <a:avLst/>
+          </a:prstGeom>
+        </p:spPr>
+      </p:pic>
     </p:spTree>
+    <p:extLst>
+      <p:ext uri="{BB962C8B-B14F-4D97-AF65-F5344CB8AC3E}">
+        <p14:creationId xmlns:p14="http://schemas.microsoft.com/office/powerpoint/2010/main" val="1465850774"/>
+      </p:ext>
+    </p:extLst>
   </p:cSld>
   <p:clrMapOvr>
     <a:masterClrMapping/>

--- a/Problem B Presentation.pptx
+++ b/Problem B Presentation.pptx
@@ -7288,10 +7288,10 @@
                 <a:cs typeface="MV Boli" panose="02000500030200090000" pitchFamily="2" charset="0"/>
                 <a:sym typeface="Roboto"/>
               </a:rPr>
-              <a:t>          Link to </a:t>
+              <a:t>          Link </a:t>
             </a:r>
             <a:r>
-              <a:rPr lang="en-IN" sz="1900" b="0" dirty="0" err="1">
+              <a:rPr lang="en-IN" sz="1900" b="0">
                 <a:solidFill>
                   <a:schemeClr val="accent6"/>
                 </a:solidFill>
@@ -7300,7 +7300,7 @@
                 <a:cs typeface="MV Boli" panose="02000500030200090000" pitchFamily="2" charset="0"/>
                 <a:sym typeface="Roboto"/>
               </a:rPr>
-              <a:t>website:https</a:t>
+              <a:t>to Website: https</a:t>
             </a:r>
             <a:r>
               <a:rPr lang="en-IN" sz="1900" b="0" dirty="0">
@@ -7346,7 +7346,7 @@
                 <a:cs typeface="MV Boli" panose="02000500030200090000" pitchFamily="2" charset="0"/>
                 <a:sym typeface="Roboto"/>
               </a:rPr>
-              <a:t>          Video link:</a:t>
+              <a:t>          Video link: https://drive.google.com/file/d/1six2nfSNUnXZG7qwrpPSr4IZtyHbkB19/view?usp=sharing</a:t>
             </a:r>
             <a:endParaRPr sz="1900" b="0" dirty="0">
               <a:solidFill>
